--- a/MovieCafe.pptx
+++ b/MovieCafe.pptx
@@ -126,7 +126,7 @@
   </p:defaultTextStyle>
   <p:extLst>
     <p:ext uri="{EFAFB233-063F-42B5-8137-9DF3F51BA10A}">
-      <p15:sldGuideLst xmlns="" xmlns:p15="http://schemas.microsoft.com/office/powerpoint/2012/main">
+      <p15:sldGuideLst xmlns:p15="http://schemas.microsoft.com/office/powerpoint/2012/main" xmlns="">
         <p15:guide id="1" orient="horz" pos="2183" userDrawn="1">
           <p15:clr>
             <a:srgbClr val="A4A3A4"/>
@@ -422,11 +422,11 @@
           <c:showPercent val="0"/>
           <c:showBubbleSize val="0"/>
         </c:dLbls>
-        <c:axId val="52915712"/>
-        <c:axId val="72802880"/>
+        <c:axId val="33405184"/>
+        <c:axId val="31870336"/>
       </c:radarChart>
       <c:catAx>
-        <c:axId val="52915712"/>
+        <c:axId val="33405184"/>
         <c:scaling>
           <c:orientation val="minMax"/>
         </c:scaling>
@@ -436,7 +436,7 @@
         <c:majorTickMark val="none"/>
         <c:minorTickMark val="none"/>
         <c:tickLblPos val="nextTo"/>
-        <c:crossAx val="72802880"/>
+        <c:crossAx val="31870336"/>
         <c:crosses val="autoZero"/>
         <c:auto val="1"/>
         <c:lblAlgn val="ctr"/>
@@ -444,7 +444,7 @@
         <c:noMultiLvlLbl val="0"/>
       </c:catAx>
       <c:valAx>
-        <c:axId val="72802880"/>
+        <c:axId val="31870336"/>
         <c:scaling>
           <c:orientation val="minMax"/>
         </c:scaling>
@@ -496,7 +496,7 @@
             <a:endParaRPr lang="ko-KR"/>
           </a:p>
         </c:txPr>
-        <c:crossAx val="52915712"/>
+        <c:crossAx val="33405184"/>
         <c:crosses val="autoZero"/>
         <c:crossBetween val="between"/>
         <c:majorUnit val="20"/>
@@ -3618,7 +3618,7 @@
           <p:cNvPr id="7" name="TextBox 6">
             <a:extLst>
               <a:ext uri="{FF2B5EF4-FFF2-40B4-BE49-F238E27FC236}">
-                <a16:creationId xmlns="" xmlns:a16="http://schemas.microsoft.com/office/drawing/2014/main" id="{691811B0-B48E-441A-87FD-055ECECA2FB0}"/>
+                <a16:creationId xmlns:a16="http://schemas.microsoft.com/office/drawing/2014/main" xmlns="" id="{691811B0-B48E-441A-87FD-055ECECA2FB0}"/>
               </a:ext>
             </a:extLst>
           </p:cNvPr>
@@ -13472,28 +13472,28 @@
                 <a:gridCol w="2380859">
                   <a:extLst>
                     <a:ext uri="{9D8B030D-6E8A-4147-A177-3AD203B41FA5}">
-                      <a16:colId xmlns="" xmlns:a16="http://schemas.microsoft.com/office/drawing/2014/main" val="20000"/>
+                      <a16:colId xmlns:a16="http://schemas.microsoft.com/office/drawing/2014/main" xmlns="" val="20000"/>
                     </a:ext>
                   </a:extLst>
                 </a:gridCol>
                 <a:gridCol w="2380859">
                   <a:extLst>
                     <a:ext uri="{9D8B030D-6E8A-4147-A177-3AD203B41FA5}">
-                      <a16:colId xmlns="" xmlns:a16="http://schemas.microsoft.com/office/drawing/2014/main" val="20001"/>
+                      <a16:colId xmlns:a16="http://schemas.microsoft.com/office/drawing/2014/main" xmlns="" val="20001"/>
                     </a:ext>
                   </a:extLst>
                 </a:gridCol>
                 <a:gridCol w="2380859">
                   <a:extLst>
                     <a:ext uri="{9D8B030D-6E8A-4147-A177-3AD203B41FA5}">
-                      <a16:colId xmlns="" xmlns:a16="http://schemas.microsoft.com/office/drawing/2014/main" val="20002"/>
+                      <a16:colId xmlns:a16="http://schemas.microsoft.com/office/drawing/2014/main" xmlns="" val="20002"/>
                     </a:ext>
                   </a:extLst>
                 </a:gridCol>
                 <a:gridCol w="2380859">
                   <a:extLst>
                     <a:ext uri="{9D8B030D-6E8A-4147-A177-3AD203B41FA5}">
-                      <a16:colId xmlns="" xmlns:a16="http://schemas.microsoft.com/office/drawing/2014/main" val="20003"/>
+                      <a16:colId xmlns:a16="http://schemas.microsoft.com/office/drawing/2014/main" xmlns="" val="20003"/>
                     </a:ext>
                   </a:extLst>
                 </a:gridCol>
@@ -13794,7 +13794,7 @@
                 </a:tc>
                 <a:extLst>
                   <a:ext uri="{0D108BD9-81ED-4DB2-BD59-A6C34878D82A}">
-                    <a16:rowId xmlns="" xmlns:a16="http://schemas.microsoft.com/office/drawing/2014/main" val="10000"/>
+                    <a16:rowId xmlns:a16="http://schemas.microsoft.com/office/drawing/2014/main" xmlns="" val="10000"/>
                   </a:ext>
                 </a:extLst>
               </a:tr>
@@ -14132,7 +14132,7 @@
                 </a:tc>
                 <a:extLst>
                   <a:ext uri="{0D108BD9-81ED-4DB2-BD59-A6C34878D82A}">
-                    <a16:rowId xmlns="" xmlns:a16="http://schemas.microsoft.com/office/drawing/2014/main" val="10001"/>
+                    <a16:rowId xmlns:a16="http://schemas.microsoft.com/office/drawing/2014/main" xmlns="" val="10001"/>
                   </a:ext>
                 </a:extLst>
               </a:tr>
@@ -14422,7 +14422,7 @@
                 </a:tc>
                 <a:extLst>
                   <a:ext uri="{0D108BD9-81ED-4DB2-BD59-A6C34878D82A}">
-                    <a16:rowId xmlns="" xmlns:a16="http://schemas.microsoft.com/office/drawing/2014/main" val="10002"/>
+                    <a16:rowId xmlns:a16="http://schemas.microsoft.com/office/drawing/2014/main" xmlns="" val="10002"/>
                   </a:ext>
                 </a:extLst>
               </a:tr>
@@ -14698,7 +14698,7 @@
                 </a:tc>
                 <a:extLst>
                   <a:ext uri="{0D108BD9-81ED-4DB2-BD59-A6C34878D82A}">
-                    <a16:rowId xmlns="" xmlns:a16="http://schemas.microsoft.com/office/drawing/2014/main" val="10003"/>
+                    <a16:rowId xmlns:a16="http://schemas.microsoft.com/office/drawing/2014/main" xmlns="" val="10003"/>
                   </a:ext>
                 </a:extLst>
               </a:tr>
@@ -14974,7 +14974,7 @@
                 </a:tc>
                 <a:extLst>
                   <a:ext uri="{0D108BD9-81ED-4DB2-BD59-A6C34878D82A}">
-                    <a16:rowId xmlns="" xmlns:a16="http://schemas.microsoft.com/office/drawing/2014/main" val="10004"/>
+                    <a16:rowId xmlns:a16="http://schemas.microsoft.com/office/drawing/2014/main" xmlns="" val="10004"/>
                   </a:ext>
                 </a:extLst>
               </a:tr>
@@ -15262,7 +15262,7 @@
                 </a:tc>
                 <a:extLst>
                   <a:ext uri="{0D108BD9-81ED-4DB2-BD59-A6C34878D82A}">
-                    <a16:rowId xmlns="" xmlns:a16="http://schemas.microsoft.com/office/drawing/2014/main" val="10005"/>
+                    <a16:rowId xmlns:a16="http://schemas.microsoft.com/office/drawing/2014/main" xmlns="" val="10005"/>
                   </a:ext>
                 </a:extLst>
               </a:tr>
@@ -15570,7 +15570,7 @@
                 </a:tc>
                 <a:extLst>
                   <a:ext uri="{0D108BD9-81ED-4DB2-BD59-A6C34878D82A}">
-                    <a16:rowId xmlns="" xmlns:a16="http://schemas.microsoft.com/office/drawing/2014/main" val="10006"/>
+                    <a16:rowId xmlns:a16="http://schemas.microsoft.com/office/drawing/2014/main" xmlns="" val="10006"/>
                   </a:ext>
                 </a:extLst>
               </a:tr>
@@ -15929,11 +15929,6 @@
               </a:rPr>
               <a:t>개</a:t>
             </a:r>
-            <a:endParaRPr lang="ko-KR" altLang="en-US" spc="-150" dirty="0">
-              <a:solidFill>
-                <a:schemeClr val="bg1"/>
-              </a:solidFill>
-            </a:endParaRPr>
           </a:p>
         </p:txBody>
       </p:sp>
@@ -16089,18 +16084,7 @@
                 <a:ea typeface="Noto Sans CJK KR Thin" panose="020B0200000000000000" pitchFamily="34" charset="-127"/>
                 <a:cs typeface="Arial" panose="020B0604020202020204" pitchFamily="34" charset="0"/>
               </a:rPr>
-              <a:t>요구사항</a:t>
-            </a:r>
-            <a:r>
-              <a:rPr lang="ko-KR" altLang="en-US" sz="1400" spc="-150" dirty="0" smtClean="0">
-                <a:solidFill>
-                  <a:schemeClr val="bg1"/>
-                </a:solidFill>
-                <a:latin typeface="Noto Sans CJK KR Thin" panose="020B0200000000000000" pitchFamily="34" charset="-127"/>
-                <a:ea typeface="Noto Sans CJK KR Thin" panose="020B0200000000000000" pitchFamily="34" charset="-127"/>
-                <a:cs typeface="Arial" panose="020B0604020202020204" pitchFamily="34" charset="0"/>
-              </a:rPr>
-              <a:t> 분석</a:t>
+              <a:t>요구사항 분석</a:t>
             </a:r>
             <a:endParaRPr lang="en-US" altLang="ko-KR" sz="1400" spc="-150" dirty="0">
               <a:solidFill>
@@ -18549,8 +18533,8 @@
         </p:nvSpPr>
         <p:spPr>
           <a:xfrm>
-            <a:off x="1459443" y="2261703"/>
-            <a:ext cx="10112446" cy="1631216"/>
+            <a:off x="1136650" y="2261703"/>
+            <a:ext cx="10435239" cy="3170099"/>
           </a:xfrm>
           <a:prstGeom prst="rect">
             <a:avLst/>
@@ -18602,6 +18586,92 @@
                   <a:schemeClr val="accent4"/>
                 </a:solidFill>
               </a:rPr>
+              <a:t>영화 리뷰나</a:t>
+            </a:r>
+            <a:r>
+              <a:rPr lang="en-US" altLang="ko-KR" sz="2000" dirty="0" smtClean="0">
+                <a:solidFill>
+                  <a:schemeClr val="accent4"/>
+                </a:solidFill>
+              </a:rPr>
+              <a:t>, </a:t>
+            </a:r>
+            <a:r>
+              <a:rPr lang="ko-KR" altLang="en-US" sz="2000" dirty="0" smtClean="0">
+                <a:solidFill>
+                  <a:schemeClr val="accent4"/>
+                </a:solidFill>
+              </a:rPr>
+              <a:t>영화 쿠키 영상 유무 등의 정보들을 찾기 위해서는  </a:t>
+            </a:r>
+            <a:endParaRPr lang="en-US" altLang="ko-KR" sz="2000" dirty="0" smtClean="0">
+              <a:solidFill>
+                <a:schemeClr val="accent4"/>
+              </a:solidFill>
+            </a:endParaRPr>
+          </a:p>
+          <a:p>
+            <a:r>
+              <a:rPr lang="ko-KR" altLang="en-US" sz="2000" dirty="0" smtClean="0">
+                <a:solidFill>
+                  <a:schemeClr val="accent4"/>
+                </a:solidFill>
+              </a:rPr>
+              <a:t>검색포탈 사이트에서 검색한 후에 일일이 찾아야 하는 번거로움이 있습니다</a:t>
+            </a:r>
+            <a:r>
+              <a:rPr lang="en-US" altLang="ko-KR" sz="2000" dirty="0" smtClean="0">
+                <a:solidFill>
+                  <a:schemeClr val="accent4"/>
+                </a:solidFill>
+              </a:rPr>
+              <a:t>.</a:t>
+            </a:r>
+          </a:p>
+          <a:p>
+            <a:endParaRPr lang="en-US" altLang="ko-KR" sz="2000" dirty="0">
+              <a:solidFill>
+                <a:schemeClr val="accent4"/>
+              </a:solidFill>
+            </a:endParaRPr>
+          </a:p>
+          <a:p>
+            <a:r>
+              <a:rPr lang="ko-KR" altLang="en-US" sz="2000" dirty="0" smtClean="0">
+                <a:solidFill>
+                  <a:schemeClr val="accent4"/>
+                </a:solidFill>
+              </a:rPr>
+              <a:t>이를 해결하기 위해서</a:t>
+            </a:r>
+            <a:r>
+              <a:rPr lang="en-US" altLang="ko-KR" sz="2000" dirty="0" smtClean="0">
+                <a:solidFill>
+                  <a:schemeClr val="accent4"/>
+                </a:solidFill>
+              </a:rPr>
+              <a:t>,</a:t>
+            </a:r>
+            <a:endParaRPr lang="en-US" altLang="ko-KR" sz="2000" dirty="0">
+              <a:solidFill>
+                <a:schemeClr val="accent4"/>
+              </a:solidFill>
+            </a:endParaRPr>
+          </a:p>
+          <a:p>
+            <a:endParaRPr lang="en-US" altLang="ko-KR" sz="2000" dirty="0" smtClean="0">
+              <a:solidFill>
+                <a:schemeClr val="accent4"/>
+              </a:solidFill>
+            </a:endParaRPr>
+          </a:p>
+          <a:p>
+            <a:r>
+              <a:rPr lang="ko-KR" altLang="en-US" sz="2000" dirty="0" smtClean="0">
+                <a:solidFill>
+                  <a:schemeClr val="accent4"/>
+                </a:solidFill>
+              </a:rPr>
               <a:t>각 영화에 대한 정보들을 쉽게 찾을 수 있고</a:t>
             </a:r>
             <a:r>
@@ -18620,20 +18690,21 @@
               </a:rPr>
               <a:t> </a:t>
             </a:r>
-            <a:endParaRPr lang="en-US" altLang="ko-KR" sz="2000" dirty="0" smtClean="0">
-              <a:solidFill>
-                <a:schemeClr val="accent4"/>
-              </a:solidFill>
-            </a:endParaRPr>
-          </a:p>
-          <a:p>
             <a:r>
               <a:rPr lang="ko-KR" altLang="en-US" sz="2000" dirty="0" smtClean="0">
                 <a:solidFill>
                   <a:schemeClr val="accent4"/>
                 </a:solidFill>
               </a:rPr>
-              <a:t>영화나 영화관에 대한 정보나</a:t>
+              <a:t>영화나 </a:t>
+            </a:r>
+            <a:r>
+              <a:rPr lang="ko-KR" altLang="en-US" sz="2000" dirty="0" smtClean="0">
+                <a:solidFill>
+                  <a:schemeClr val="accent4"/>
+                </a:solidFill>
+              </a:rPr>
+              <a:t>영화관에 대한 정보나</a:t>
             </a:r>
             <a:r>
               <a:rPr lang="en-US" altLang="ko-KR" sz="2000" dirty="0" smtClean="0">
@@ -18649,7 +18720,70 @@
                   <a:schemeClr val="accent4"/>
                 </a:solidFill>
               </a:rPr>
-              <a:t>후기들을 사용자들간에 공유할 수 있도록 구현하였습니다</a:t>
+              <a:t>후기들에 대해서 </a:t>
+            </a:r>
+            <a:endParaRPr lang="en-US" altLang="ko-KR" sz="2000" dirty="0" smtClean="0">
+              <a:solidFill>
+                <a:schemeClr val="accent4"/>
+              </a:solidFill>
+            </a:endParaRPr>
+          </a:p>
+          <a:p>
+            <a:r>
+              <a:rPr lang="ko-KR" altLang="en-US" sz="2000" dirty="0" smtClean="0">
+                <a:solidFill>
+                  <a:schemeClr val="accent4"/>
+                </a:solidFill>
+              </a:rPr>
+              <a:t>사용자들간에 공유할 </a:t>
+            </a:r>
+            <a:r>
+              <a:rPr lang="ko-KR" altLang="en-US" sz="2000" dirty="0" smtClean="0">
+                <a:solidFill>
+                  <a:schemeClr val="accent4"/>
+                </a:solidFill>
+              </a:rPr>
+              <a:t>수 있도록 </a:t>
+            </a:r>
+            <a:r>
+              <a:rPr lang="ko-KR" altLang="en-US" sz="2000" dirty="0" smtClean="0">
+                <a:solidFill>
+                  <a:schemeClr val="accent4"/>
+                </a:solidFill>
+              </a:rPr>
+              <a:t>하</a:t>
+            </a:r>
+            <a:r>
+              <a:rPr lang="ko-KR" altLang="en-US" sz="2000" dirty="0">
+                <a:solidFill>
+                  <a:schemeClr val="accent4"/>
+                </a:solidFill>
+              </a:rPr>
+              <a:t>는</a:t>
+            </a:r>
+            <a:r>
+              <a:rPr lang="ko-KR" altLang="en-US" sz="2000" dirty="0" smtClean="0">
+                <a:solidFill>
+                  <a:schemeClr val="accent4"/>
+                </a:solidFill>
+              </a:rPr>
+              <a:t> </a:t>
+            </a:r>
+            <a:r>
+              <a:rPr lang="ko-KR" altLang="en-US" sz="2000" dirty="0" err="1" smtClean="0">
+                <a:solidFill>
+                  <a:schemeClr val="accent4"/>
+                </a:solidFill>
+              </a:rPr>
+              <a:t>반응형</a:t>
+            </a:r>
+            <a:r>
+              <a:rPr lang="ko-KR" altLang="en-US" sz="2000" dirty="0" smtClean="0">
+                <a:solidFill>
+                  <a:schemeClr val="accent4"/>
+                </a:solidFill>
+              </a:rPr>
+              <a:t> 웹 사이트입니다</a:t>
             </a:r>
             <a:r>
               <a:rPr lang="en-US" altLang="ko-KR" sz="2000" dirty="0" smtClean="0">
@@ -18659,6 +18793,11 @@
               </a:rPr>
               <a:t>.</a:t>
             </a:r>
+            <a:endParaRPr lang="en-US" altLang="ko-KR" sz="2000" dirty="0" smtClean="0">
+              <a:solidFill>
+                <a:schemeClr val="accent4"/>
+              </a:solidFill>
+            </a:endParaRPr>
           </a:p>
           <a:p>
             <a:endParaRPr lang="ko-KR" altLang="en-US" sz="2000" dirty="0">
@@ -19346,11 +19485,6 @@
               </a:rPr>
               <a:t>채팅 구현으로 커뮤니티 활성화</a:t>
             </a:r>
-            <a:endParaRPr lang="ko-KR" altLang="en-US" sz="2000" dirty="0">
-              <a:solidFill>
-                <a:schemeClr val="accent4"/>
-              </a:solidFill>
-            </a:endParaRPr>
           </a:p>
         </p:txBody>
       </p:sp>
@@ -19398,7 +19532,15 @@
                   <a:schemeClr val="accent4"/>
                 </a:solidFill>
               </a:rPr>
-              <a:t>영화 리스트 등록 및 수정 등을 위한 관리자 페이지 구현  </a:t>
+              <a:t>영화 </a:t>
+            </a:r>
+            <a:r>
+              <a:rPr lang="ko-KR" altLang="en-US" sz="2000" dirty="0" smtClean="0">
+                <a:solidFill>
+                  <a:schemeClr val="accent4"/>
+                </a:solidFill>
+              </a:rPr>
+              <a:t>리스트 등록 및 수정 등을 위한 관리자 페이지 구현  </a:t>
             </a:r>
             <a:endParaRPr lang="ko-KR" altLang="en-US" sz="2000" dirty="0">
               <a:solidFill>
@@ -19690,14 +19832,14 @@
                 <a:gridCol w="936000">
                   <a:extLst>
                     <a:ext uri="{9D8B030D-6E8A-4147-A177-3AD203B41FA5}">
-                      <a16:colId xmlns="" xmlns:a16="http://schemas.microsoft.com/office/drawing/2014/main" val="20001"/>
+                      <a16:colId xmlns:a16="http://schemas.microsoft.com/office/drawing/2014/main" xmlns="" val="20001"/>
                     </a:ext>
                   </a:extLst>
                 </a:gridCol>
                 <a:gridCol w="936000">
                   <a:extLst>
                     <a:ext uri="{9D8B030D-6E8A-4147-A177-3AD203B41FA5}">
-                      <a16:colId xmlns="" xmlns:a16="http://schemas.microsoft.com/office/drawing/2014/main" val="20002"/>
+                      <a16:colId xmlns:a16="http://schemas.microsoft.com/office/drawing/2014/main" xmlns="" val="20002"/>
                     </a:ext>
                   </a:extLst>
                 </a:gridCol>
@@ -19713,7 +19855,7 @@
                 <a:gridCol w="936000">
                   <a:extLst>
                     <a:ext uri="{9D8B030D-6E8A-4147-A177-3AD203B41FA5}">
-                      <a16:colId xmlns="" xmlns:a16="http://schemas.microsoft.com/office/drawing/2014/main" val="20003"/>
+                      <a16:colId xmlns:a16="http://schemas.microsoft.com/office/drawing/2014/main" xmlns="" val="20003"/>
                     </a:ext>
                   </a:extLst>
                 </a:gridCol>
@@ -21066,7 +21208,7 @@
                 </a:tc>
                 <a:extLst>
                   <a:ext uri="{0D108BD9-81ED-4DB2-BD59-A6C34878D82A}">
-                    <a16:rowId xmlns="" xmlns:a16="http://schemas.microsoft.com/office/drawing/2014/main" val="10000"/>
+                    <a16:rowId xmlns:a16="http://schemas.microsoft.com/office/drawing/2014/main" xmlns="" val="10000"/>
                   </a:ext>
                 </a:extLst>
               </a:tr>
@@ -22077,7 +22219,7 @@
                 </a:tc>
                 <a:extLst>
                   <a:ext uri="{0D108BD9-81ED-4DB2-BD59-A6C34878D82A}">
-                    <a16:rowId xmlns="" xmlns:a16="http://schemas.microsoft.com/office/drawing/2014/main" val="10001"/>
+                    <a16:rowId xmlns:a16="http://schemas.microsoft.com/office/drawing/2014/main" xmlns="" val="10001"/>
                   </a:ext>
                 </a:extLst>
               </a:tr>
@@ -22892,7 +23034,7 @@
                 </a:tc>
                 <a:extLst>
                   <a:ext uri="{0D108BD9-81ED-4DB2-BD59-A6C34878D82A}">
-                    <a16:rowId xmlns="" xmlns:a16="http://schemas.microsoft.com/office/drawing/2014/main" val="10002"/>
+                    <a16:rowId xmlns:a16="http://schemas.microsoft.com/office/drawing/2014/main" xmlns="" val="10002"/>
                   </a:ext>
                 </a:extLst>
               </a:tr>
@@ -23707,7 +23849,7 @@
                 </a:tc>
                 <a:extLst>
                   <a:ext uri="{0D108BD9-81ED-4DB2-BD59-A6C34878D82A}">
-                    <a16:rowId xmlns="" xmlns:a16="http://schemas.microsoft.com/office/drawing/2014/main" val="10003"/>
+                    <a16:rowId xmlns:a16="http://schemas.microsoft.com/office/drawing/2014/main" xmlns="" val="10003"/>
                   </a:ext>
                 </a:extLst>
               </a:tr>
@@ -24522,7 +24664,7 @@
                 </a:tc>
                 <a:extLst>
                   <a:ext uri="{0D108BD9-81ED-4DB2-BD59-A6C34878D82A}">
-                    <a16:rowId xmlns="" xmlns:a16="http://schemas.microsoft.com/office/drawing/2014/main" val="10004"/>
+                    <a16:rowId xmlns:a16="http://schemas.microsoft.com/office/drawing/2014/main" xmlns="" val="10004"/>
                   </a:ext>
                 </a:extLst>
               </a:tr>
@@ -25337,7 +25479,7 @@
                 </a:tc>
                 <a:extLst>
                   <a:ext uri="{0D108BD9-81ED-4DB2-BD59-A6C34878D82A}">
-                    <a16:rowId xmlns="" xmlns:a16="http://schemas.microsoft.com/office/drawing/2014/main" val="10005"/>
+                    <a16:rowId xmlns:a16="http://schemas.microsoft.com/office/drawing/2014/main" xmlns="" val="10005"/>
                   </a:ext>
                 </a:extLst>
               </a:tr>
@@ -26304,7 +26446,7 @@
                 </a:tc>
                 <a:extLst>
                   <a:ext uri="{0D108BD9-81ED-4DB2-BD59-A6C34878D82A}">
-                    <a16:rowId xmlns="" xmlns:a16="http://schemas.microsoft.com/office/drawing/2014/main" val="10006"/>
+                    <a16:rowId xmlns:a16="http://schemas.microsoft.com/office/drawing/2014/main" xmlns="" val="10006"/>
                   </a:ext>
                 </a:extLst>
               </a:tr>
@@ -26463,11 +26605,6 @@
               </a:rPr>
               <a:t>운</a:t>
             </a:r>
-            <a:endParaRPr lang="ko-KR" altLang="en-US" sz="1400" dirty="0">
-              <a:solidFill>
-                <a:schemeClr val="bg1"/>
-              </a:solidFill>
-            </a:endParaRPr>
           </a:p>
         </p:txBody>
       </p:sp>
@@ -28686,7 +28823,7 @@
   <a:extraClrSchemeLst/>
   <a:extLst>
     <a:ext uri="{05A4C25C-085E-4340-85A3-A5531E510DB2}">
-      <thm15:themeFamily xmlns="" xmlns:thm15="http://schemas.microsoft.com/office/thememl/2012/main" name="Office Theme" id="{62F939B6-93AF-4DB8-9C6B-D6C7DFDC589F}" vid="{4A3C46E8-61CC-4603-A589-7422A47A8E4A}"/>
+      <thm15:themeFamily xmlns:thm15="http://schemas.microsoft.com/office/thememl/2012/main" xmlns="" name="Office Theme" id="{62F939B6-93AF-4DB8-9C6B-D6C7DFDC589F}" vid="{4A3C46E8-61CC-4603-A589-7422A47A8E4A}"/>
     </a:ext>
   </a:extLst>
 </a:theme>
